--- a/Misc/Resources-Notes.pptx
+++ b/Misc/Resources-Notes.pptx
@@ -8,20 +8,22 @@
     <p:notesMasterId r:id="rId4"/>
   </p:notesMasterIdLst>
   <p:handoutMasterIdLst>
-    <p:handoutMasterId r:id="rId10"/>
+    <p:handoutMasterId r:id="rId12"/>
   </p:handoutMasterIdLst>
   <p:sldIdLst>
     <p:sldId id="256" r:id="rId3"/>
     <p:sldId id="291" r:id="rId5"/>
-    <p:sldId id="354" r:id="rId6"/>
-    <p:sldId id="353" r:id="rId7"/>
-    <p:sldId id="357" r:id="rId8"/>
-    <p:sldId id="356" r:id="rId9"/>
+    <p:sldId id="359" r:id="rId6"/>
+    <p:sldId id="354" r:id="rId7"/>
+    <p:sldId id="364" r:id="rId8"/>
+    <p:sldId id="353" r:id="rId9"/>
+    <p:sldId id="357" r:id="rId10"/>
+    <p:sldId id="356" r:id="rId11"/>
   </p:sldIdLst>
   <p:sldSz cx="12192000" cy="6858000"/>
   <p:notesSz cx="6858000" cy="9144000"/>
   <p:custDataLst>
-    <p:tags r:id="rId14"/>
+    <p:tags r:id="rId16"/>
   </p:custDataLst>
   <p:defaultTextStyle>
     <a:defPPr>
@@ -3889,7 +3891,7 @@
           <a:p>
             <a:r>
               <a:rPr lang="en-US" altLang="zh-CN"/>
-              <a:t>Images</a:t>
+              <a:t>Mix</a:t>
             </a:r>
             <a:endParaRPr lang="en-US" altLang="zh-CN"/>
           </a:p>
@@ -3905,29 +3907,76 @@
             <p:ph idx="1"/>
           </p:nvPr>
         </p:nvSpPr>
-        <p:spPr/>
-        <p:txBody>
-          <a:bodyPr/>
-          <a:p>
+        <p:spPr>
+          <a:xfrm>
+            <a:off x="838200" y="1211580"/>
+            <a:ext cx="5467985" cy="5017770"/>
+          </a:xfrm>
+        </p:spPr>
+        <p:txBody>
+          <a:bodyPr>
+            <a:normAutofit fontScale="60000"/>
+          </a:bodyPr>
+          <a:p>
+            <a:r>
+              <a:rPr lang="zh-CN" altLang="en-US"/>
+              <a:t>https://mixkit.co/</a:t>
+            </a:r>
+            <a:endParaRPr lang="zh-CN" altLang="en-US"/>
+          </a:p>
+          <a:p>
+            <a:pPr lvl="1"/>
             <a:r>
               <a:rPr lang="en-US" altLang="zh-CN"/>
-              <a:t>General Images</a:t>
+              <a:t>Video templates</a:t>
             </a:r>
             <a:endParaRPr lang="en-US" altLang="zh-CN"/>
           </a:p>
           <a:p>
+            <a:pPr lvl="2"/>
+            <a:r>
+              <a:rPr lang="en-US" altLang="zh-CN" sz="1800"/>
+              <a:t>Premier Pro, After Effects, Final Cut Pro, DaVinci Resolve</a:t>
+            </a:r>
+            <a:endParaRPr lang="en-US" altLang="zh-CN" sz="1800"/>
+          </a:p>
+          <a:p>
             <a:pPr lvl="1"/>
             <a:r>
+              <a:rPr lang="en-US" altLang="zh-CN" sz="2000"/>
+              <a:t>Video</a:t>
+            </a:r>
+            <a:endParaRPr lang="en-US" altLang="zh-CN" sz="2000"/>
+          </a:p>
+          <a:p>
+            <a:pPr lvl="2"/>
+            <a:r>
+              <a:rPr lang="en-US" altLang="zh-CN" sz="1800"/>
+              <a:t>4K, nature, lifestyle, business, animals, zoom background, vertical, backgrounds</a:t>
+            </a:r>
+            <a:endParaRPr lang="en-US" altLang="zh-CN"/>
+          </a:p>
+          <a:p>
+            <a:pPr lvl="1"/>
+            <a:r>
               <a:rPr lang="en-US" altLang="zh-CN"/>
-              <a:t>pexels.com</a:t>
+              <a:t>Music</a:t>
             </a:r>
             <a:endParaRPr lang="en-US" altLang="zh-CN"/>
           </a:p>
           <a:p>
+            <a:pPr lvl="2"/>
+            <a:r>
+              <a:rPr lang="en-US" altLang="zh-CN" sz="1800"/>
+              <a:t>ambient, cinematic, corporate, drum &amp; base, experimental, funk, hip-hop, jazz</a:t>
+            </a:r>
+            <a:endParaRPr lang="en-US" altLang="zh-CN"/>
+          </a:p>
+          <a:p>
             <a:pPr lvl="1"/>
             <a:r>
               <a:rPr lang="en-US" altLang="zh-CN"/>
-              <a:t>unsplash.com</a:t>
+              <a:t>Audio effects</a:t>
             </a:r>
             <a:endParaRPr lang="en-US" altLang="zh-CN"/>
           </a:p>
@@ -3935,7 +3984,7 @@
             <a:pPr lvl="2"/>
             <a:r>
               <a:rPr lang="en-US" altLang="zh-CN"/>
-              <a:t>API</a:t>
+              <a:t>animals, game, human, instrument, lifestyle, nature, tech, transition, warfare</a:t>
             </a:r>
             <a:endParaRPr lang="en-US" altLang="zh-CN"/>
           </a:p>
@@ -3943,7 +3992,7 @@
             <a:pPr lvl="1"/>
             <a:r>
               <a:rPr lang="en-US" altLang="zh-CN"/>
-              <a:t>pixabay.com</a:t>
+              <a:t>Icon</a:t>
             </a:r>
             <a:endParaRPr lang="en-US" altLang="zh-CN"/>
           </a:p>
@@ -3951,7 +4000,7 @@
             <a:pPr lvl="0"/>
             <a:r>
               <a:rPr lang="en-US" altLang="zh-CN"/>
-              <a:t>Panorama</a:t>
+              <a:t>https://pixabay.com/zh/</a:t>
             </a:r>
             <a:endParaRPr lang="en-US" altLang="zh-CN"/>
           </a:p>
@@ -3959,7 +4008,55 @@
             <a:pPr lvl="1"/>
             <a:r>
               <a:rPr lang="en-US" altLang="zh-CN"/>
-              <a:t>https://polyhaven.com/zh/hdris</a:t>
+              <a:t>photos</a:t>
+            </a:r>
+            <a:endParaRPr lang="en-US" altLang="zh-CN"/>
+          </a:p>
+          <a:p>
+            <a:pPr lvl="1"/>
+            <a:r>
+              <a:rPr lang="en-US" altLang="zh-CN"/>
+              <a:t>illustrations</a:t>
+            </a:r>
+            <a:endParaRPr lang="en-US" altLang="zh-CN"/>
+          </a:p>
+          <a:p>
+            <a:pPr lvl="1"/>
+            <a:r>
+              <a:rPr lang="en-US" altLang="zh-CN"/>
+              <a:t>vectors</a:t>
+            </a:r>
+            <a:endParaRPr lang="en-US" altLang="zh-CN"/>
+          </a:p>
+          <a:p>
+            <a:pPr lvl="1"/>
+            <a:r>
+              <a:rPr lang="en-US" altLang="zh-CN"/>
+              <a:t>videos</a:t>
+            </a:r>
+            <a:endParaRPr lang="en-US" altLang="zh-CN"/>
+          </a:p>
+          <a:p>
+            <a:pPr lvl="1"/>
+            <a:r>
+              <a:rPr lang="en-US" altLang="zh-CN"/>
+              <a:t>music</a:t>
+            </a:r>
+            <a:endParaRPr lang="en-US" altLang="zh-CN"/>
+          </a:p>
+          <a:p>
+            <a:pPr lvl="1"/>
+            <a:r>
+              <a:rPr lang="en-US" altLang="zh-CN"/>
+              <a:t>audio effects</a:t>
+            </a:r>
+            <a:endParaRPr lang="en-US" altLang="zh-CN"/>
+          </a:p>
+          <a:p>
+            <a:pPr lvl="1"/>
+            <a:r>
+              <a:rPr lang="en-US" altLang="zh-CN"/>
+              <a:t>gifs</a:t>
             </a:r>
             <a:endParaRPr lang="en-US" altLang="zh-CN"/>
           </a:p>
@@ -3977,6 +4074,224 @@
 </file>
 
 <file path=ppt/slides/slide4.xml><?xml version="1.0" encoding="utf-8"?>
+<p:sld xmlns:a="http://schemas.openxmlformats.org/drawingml/2006/main" xmlns:r="http://schemas.openxmlformats.org/officeDocument/2006/relationships" xmlns:p="http://schemas.openxmlformats.org/presentationml/2006/main">
+  <p:cSld>
+    <p:spTree>
+      <p:nvGrpSpPr>
+        <p:cNvPr id="1" name=""/>
+        <p:cNvGrpSpPr/>
+        <p:nvPr/>
+      </p:nvGrpSpPr>
+      <p:grpSpPr/>
+      <p:sp>
+        <p:nvSpPr>
+          <p:cNvPr id="2" name="标题 1"/>
+          <p:cNvSpPr>
+            <a:spLocks noGrp="1"/>
+          </p:cNvSpPr>
+          <p:nvPr>
+            <p:ph type="title"/>
+          </p:nvPr>
+        </p:nvSpPr>
+        <p:spPr/>
+        <p:txBody>
+          <a:bodyPr/>
+          <a:p>
+            <a:r>
+              <a:rPr lang="en-US" altLang="zh-CN"/>
+              <a:t>Images</a:t>
+            </a:r>
+            <a:endParaRPr lang="en-US" altLang="zh-CN"/>
+          </a:p>
+        </p:txBody>
+      </p:sp>
+      <p:sp>
+        <p:nvSpPr>
+          <p:cNvPr id="3" name="内容占位符 2"/>
+          <p:cNvSpPr>
+            <a:spLocks noGrp="1"/>
+          </p:cNvSpPr>
+          <p:nvPr>
+            <p:ph idx="1"/>
+          </p:nvPr>
+        </p:nvSpPr>
+        <p:spPr/>
+        <p:txBody>
+          <a:bodyPr/>
+          <a:p>
+            <a:r>
+              <a:rPr lang="en-US" altLang="zh-CN"/>
+              <a:t>General Images</a:t>
+            </a:r>
+            <a:endParaRPr lang="en-US" altLang="zh-CN"/>
+          </a:p>
+          <a:p>
+            <a:pPr lvl="1"/>
+            <a:r>
+              <a:rPr lang="en-US" altLang="zh-CN"/>
+              <a:t>pexels.com</a:t>
+            </a:r>
+            <a:endParaRPr lang="en-US" altLang="zh-CN"/>
+          </a:p>
+          <a:p>
+            <a:pPr lvl="1"/>
+            <a:r>
+              <a:rPr lang="en-US" altLang="zh-CN"/>
+              <a:t>unsplash.com</a:t>
+            </a:r>
+            <a:endParaRPr lang="en-US" altLang="zh-CN"/>
+          </a:p>
+          <a:p>
+            <a:pPr lvl="2"/>
+            <a:r>
+              <a:rPr lang="en-US" altLang="zh-CN"/>
+              <a:t>API</a:t>
+            </a:r>
+            <a:endParaRPr lang="en-US" altLang="zh-CN"/>
+          </a:p>
+          <a:p>
+            <a:pPr lvl="1"/>
+            <a:r>
+              <a:rPr lang="en-US" altLang="zh-CN"/>
+              <a:t>pixabay.com</a:t>
+            </a:r>
+            <a:endParaRPr lang="en-US" altLang="zh-CN"/>
+          </a:p>
+          <a:p>
+            <a:pPr lvl="0"/>
+            <a:r>
+              <a:rPr lang="en-US" altLang="zh-CN"/>
+              <a:t>Panorama</a:t>
+            </a:r>
+            <a:endParaRPr lang="en-US" altLang="zh-CN"/>
+          </a:p>
+          <a:p>
+            <a:pPr lvl="1"/>
+            <a:r>
+              <a:rPr lang="en-US" altLang="zh-CN"/>
+              <a:t>https://polyhaven.com/zh/hdris</a:t>
+            </a:r>
+            <a:endParaRPr lang="en-US" altLang="zh-CN"/>
+          </a:p>
+        </p:txBody>
+      </p:sp>
+    </p:spTree>
+    <p:custDataLst>
+      <p:tags r:id="rId1"/>
+    </p:custDataLst>
+  </p:cSld>
+  <p:clrMapOvr>
+    <a:masterClrMapping/>
+  </p:clrMapOvr>
+</p:sld>
+</file>
+
+<file path=ppt/slides/slide5.xml><?xml version="1.0" encoding="utf-8"?>
+<p:sld xmlns:a="http://schemas.openxmlformats.org/drawingml/2006/main" xmlns:r="http://schemas.openxmlformats.org/officeDocument/2006/relationships" xmlns:p="http://schemas.openxmlformats.org/presentationml/2006/main">
+  <p:cSld>
+    <p:spTree>
+      <p:nvGrpSpPr>
+        <p:cNvPr id="1" name=""/>
+        <p:cNvGrpSpPr/>
+        <p:nvPr/>
+      </p:nvGrpSpPr>
+      <p:grpSpPr/>
+      <p:sp>
+        <p:nvSpPr>
+          <p:cNvPr id="2" name="标题 1"/>
+          <p:cNvSpPr>
+            <a:spLocks noGrp="1"/>
+          </p:cNvSpPr>
+          <p:nvPr>
+            <p:ph type="title"/>
+          </p:nvPr>
+        </p:nvSpPr>
+        <p:spPr/>
+        <p:txBody>
+          <a:bodyPr/>
+          <a:p>
+            <a:r>
+              <a:rPr lang="en-US" altLang="zh-CN"/>
+              <a:t>Music</a:t>
+            </a:r>
+            <a:endParaRPr lang="en-US" altLang="zh-CN"/>
+          </a:p>
+        </p:txBody>
+      </p:sp>
+      <p:sp>
+        <p:nvSpPr>
+          <p:cNvPr id="3" name="内容占位符 2"/>
+          <p:cNvSpPr>
+            <a:spLocks noGrp="1"/>
+          </p:cNvSpPr>
+          <p:nvPr>
+            <p:ph idx="1"/>
+          </p:nvPr>
+        </p:nvSpPr>
+        <p:spPr/>
+        <p:txBody>
+          <a:bodyPr/>
+          <a:p>
+            <a:r>
+              <a:rPr lang="zh-CN" altLang="en-US"/>
+              <a:t>https://musopen.org/</a:t>
+            </a:r>
+            <a:endParaRPr lang="zh-CN" altLang="en-US"/>
+          </a:p>
+          <a:p>
+            <a:pPr lvl="1"/>
+            <a:r>
+              <a:rPr lang="en-US" altLang="zh-CN"/>
+              <a:t>all royalty free</a:t>
+            </a:r>
+            <a:endParaRPr lang="en-US" altLang="zh-CN"/>
+          </a:p>
+          <a:p>
+            <a:pPr lvl="1"/>
+            <a:r>
+              <a:rPr lang="en-US" altLang="zh-CN"/>
+              <a:t>search by composer, instrument, period</a:t>
+            </a:r>
+            <a:endParaRPr lang="en-US" altLang="zh-CN"/>
+          </a:p>
+          <a:p>
+            <a:pPr lvl="0"/>
+            <a:r>
+              <a:rPr lang="en-US" altLang="zh-CN"/>
+              <a:t>https://freesfx.co.uk/</a:t>
+            </a:r>
+            <a:endParaRPr lang="en-US" altLang="zh-CN"/>
+          </a:p>
+          <a:p>
+            <a:pPr lvl="1"/>
+            <a:r>
+              <a:rPr lang="en-US" altLang="zh-CN"/>
+              <a:t>Slow to download</a:t>
+            </a:r>
+            <a:endParaRPr lang="en-US" altLang="zh-CN"/>
+          </a:p>
+          <a:p>
+            <a:pPr lvl="1"/>
+            <a:r>
+              <a:rPr lang="en-US" altLang="zh-CN"/>
+              <a:t>sound effects, music</a:t>
+            </a:r>
+            <a:endParaRPr lang="en-US" altLang="zh-CN"/>
+          </a:p>
+        </p:txBody>
+      </p:sp>
+    </p:spTree>
+    <p:custDataLst>
+      <p:tags r:id="rId1"/>
+    </p:custDataLst>
+  </p:cSld>
+  <p:clrMapOvr>
+    <a:masterClrMapping/>
+  </p:clrMapOvr>
+</p:sld>
+</file>
+
+<file path=ppt/slides/slide6.xml><?xml version="1.0" encoding="utf-8"?>
 <p:sld xmlns:a="http://schemas.openxmlformats.org/drawingml/2006/main" xmlns:r="http://schemas.openxmlformats.org/officeDocument/2006/relationships" xmlns:p="http://schemas.openxmlformats.org/presentationml/2006/main">
   <p:cSld>
     <p:spTree>
@@ -4395,7 +4710,7 @@
 </p:sld>
 </file>
 
-<file path=ppt/slides/slide5.xml><?xml version="1.0" encoding="utf-8"?>
+<file path=ppt/slides/slide7.xml><?xml version="1.0" encoding="utf-8"?>
 <p:sld xmlns:a="http://schemas.openxmlformats.org/drawingml/2006/main" xmlns:r="http://schemas.openxmlformats.org/officeDocument/2006/relationships" xmlns:p="http://schemas.openxmlformats.org/presentationml/2006/main">
   <p:cSld>
     <p:spTree>
@@ -4527,7 +4842,7 @@
 </p:sld>
 </file>
 
-<file path=ppt/slides/slide6.xml><?xml version="1.0" encoding="utf-8"?>
+<file path=ppt/slides/slide8.xml><?xml version="1.0" encoding="utf-8"?>
 <p:sld xmlns:a="http://schemas.openxmlformats.org/drawingml/2006/main" xmlns:r="http://schemas.openxmlformats.org/officeDocument/2006/relationships" xmlns:p="http://schemas.openxmlformats.org/presentationml/2006/main">
   <p:cSld>
     <p:spTree>
@@ -4810,6 +5125,22 @@
             </a:r>
             <a:endParaRPr lang="en-US" altLang="zh-CN"/>
           </a:p>
+          <a:p>
+            <a:pPr lvl="1"/>
+            <a:r>
+              <a:rPr lang="en-US" altLang="zh-CN"/>
+              <a:t>https://cc0-textures.com/</a:t>
+            </a:r>
+            <a:endParaRPr lang="en-US" altLang="zh-CN"/>
+          </a:p>
+          <a:p>
+            <a:pPr lvl="2"/>
+            <a:r>
+              <a:rPr lang="en-US" altLang="zh-CN"/>
+              <a:t>total: 3314</a:t>
+            </a:r>
+            <a:endParaRPr lang="en-US" altLang="zh-CN"/>
+          </a:p>
         </p:txBody>
       </p:sp>
     </p:spTree>
@@ -4833,7 +5164,9 @@
 
 <file path=ppt/tags/tag10.xml><?xml version="1.0" encoding="utf-8"?>
 <p:tagLst xmlns:p="http://schemas.openxmlformats.org/presentationml/2006/main">
-  <p:tag name="KSO_WM_BEAUTIFY_FLAG" val=""/>
+  <p:tag name="KSO_WM_BEAUTIFY_FLAG" val="#wm#"/>
+  <p:tag name="KSO_WM_TEMPLATE_CATEGORY" val="custom"/>
+  <p:tag name="KSO_WM_TEMPLATE_INDEX" val="160402"/>
 </p:tagLst>
 </file>
 
@@ -4847,13 +5180,27 @@
 
 <file path=ppt/tags/tag12.xml><?xml version="1.0" encoding="utf-8"?>
 <p:tagLst xmlns:p="http://schemas.openxmlformats.org/presentationml/2006/main">
+  <p:tag name="KSO_WM_BEAUTIFY_FLAG" val=""/>
+</p:tagLst>
+</file>
+
+<file path=ppt/tags/tag13.xml><?xml version="1.0" encoding="utf-8"?>
+<p:tagLst xmlns:p="http://schemas.openxmlformats.org/presentationml/2006/main">
   <p:tag name="KSO_WM_BEAUTIFY_FLAG" val="#wm#"/>
   <p:tag name="KSO_WM_TEMPLATE_CATEGORY" val="custom"/>
   <p:tag name="KSO_WM_TEMPLATE_INDEX" val="160402"/>
 </p:tagLst>
 </file>
 
-<file path=ppt/tags/tag13.xml><?xml version="1.0" encoding="utf-8"?>
+<file path=ppt/tags/tag14.xml><?xml version="1.0" encoding="utf-8"?>
+<p:tagLst xmlns:p="http://schemas.openxmlformats.org/presentationml/2006/main">
+  <p:tag name="KSO_WM_BEAUTIFY_FLAG" val="#wm#"/>
+  <p:tag name="KSO_WM_TEMPLATE_CATEGORY" val="custom"/>
+  <p:tag name="KSO_WM_TEMPLATE_INDEX" val="160402"/>
+</p:tagLst>
+</file>
+
+<file path=ppt/tags/tag15.xml><?xml version="1.0" encoding="utf-8"?>
 <p:tagLst xmlns:p="http://schemas.openxmlformats.org/presentationml/2006/main">
   <p:tag name="COMMONDATA" val="eyJoZGlkIjoiYjRhZjQ5NWVmZmQxNmM3NmNkNDYxNWRmNzNmMjA1ZDAifQ=="/>
   <p:tag name="KSO_WPP_MARK_KEY" val="86549eee-af69-4bb6-8267-8160481c168e"/>

--- a/Misc/Resources-Notes.pptx
+++ b/Misc/Resources-Notes.pptx
@@ -8,22 +8,23 @@
     <p:notesMasterId r:id="rId4"/>
   </p:notesMasterIdLst>
   <p:handoutMasterIdLst>
-    <p:handoutMasterId r:id="rId12"/>
+    <p:handoutMasterId r:id="rId13"/>
   </p:handoutMasterIdLst>
   <p:sldIdLst>
     <p:sldId id="256" r:id="rId3"/>
     <p:sldId id="291" r:id="rId5"/>
-    <p:sldId id="359" r:id="rId6"/>
-    <p:sldId id="354" r:id="rId7"/>
-    <p:sldId id="364" r:id="rId8"/>
-    <p:sldId id="353" r:id="rId9"/>
-    <p:sldId id="357" r:id="rId10"/>
-    <p:sldId id="356" r:id="rId11"/>
+    <p:sldId id="368" r:id="rId6"/>
+    <p:sldId id="359" r:id="rId7"/>
+    <p:sldId id="354" r:id="rId8"/>
+    <p:sldId id="364" r:id="rId9"/>
+    <p:sldId id="353" r:id="rId10"/>
+    <p:sldId id="357" r:id="rId11"/>
+    <p:sldId id="356" r:id="rId12"/>
   </p:sldIdLst>
   <p:sldSz cx="12192000" cy="6858000"/>
   <p:notesSz cx="6858000" cy="9144000"/>
   <p:custDataLst>
-    <p:tags r:id="rId16"/>
+    <p:tags r:id="rId17"/>
   </p:custDataLst>
   <p:defaultTextStyle>
     <a:defPPr>
@@ -3890,10 +3891,10 @@
           <a:bodyPr/>
           <a:p>
             <a:r>
-              <a:rPr lang="en-US" altLang="zh-CN"/>
-              <a:t>Mix</a:t>
-            </a:r>
-            <a:endParaRPr lang="en-US" altLang="zh-CN"/>
+              <a:rPr lang="zh-CN" altLang="en-US"/>
+              <a:t>镜像站</a:t>
+            </a:r>
+            <a:endParaRPr lang="zh-CN" altLang="en-US"/>
           </a:p>
         </p:txBody>
       </p:sp>
@@ -3907,158 +3908,18 @@
             <p:ph idx="1"/>
           </p:nvPr>
         </p:nvSpPr>
-        <p:spPr>
-          <a:xfrm>
-            <a:off x="838200" y="1211580"/>
-            <a:ext cx="5467985" cy="5017770"/>
-          </a:xfrm>
-        </p:spPr>
-        <p:txBody>
-          <a:bodyPr>
-            <a:normAutofit fontScale="60000"/>
-          </a:bodyPr>
+        <p:spPr/>
+        <p:txBody>
+          <a:bodyPr/>
           <a:p>
             <a:r>
               <a:rPr lang="zh-CN" altLang="en-US"/>
-              <a:t>https://mixkit.co/</a:t>
-            </a:r>
-            <a:endParaRPr lang="zh-CN" altLang="en-US"/>
-          </a:p>
-          <a:p>
-            <a:pPr lvl="1"/>
-            <a:r>
-              <a:rPr lang="en-US" altLang="zh-CN"/>
-              <a:t>Video templates</a:t>
-            </a:r>
-            <a:endParaRPr lang="en-US" altLang="zh-CN"/>
-          </a:p>
-          <a:p>
-            <a:pPr lvl="2"/>
-            <a:r>
-              <a:rPr lang="en-US" altLang="zh-CN" sz="1800"/>
-              <a:t>Premier Pro, After Effects, Final Cut Pro, DaVinci Resolve</a:t>
-            </a:r>
-            <a:endParaRPr lang="en-US" altLang="zh-CN" sz="1800"/>
-          </a:p>
-          <a:p>
-            <a:pPr lvl="1"/>
-            <a:r>
-              <a:rPr lang="en-US" altLang="zh-CN" sz="2000"/>
-              <a:t>Video</a:t>
-            </a:r>
-            <a:endParaRPr lang="en-US" altLang="zh-CN" sz="2000"/>
-          </a:p>
-          <a:p>
-            <a:pPr lvl="2"/>
-            <a:r>
-              <a:rPr lang="en-US" altLang="zh-CN" sz="1800"/>
-              <a:t>4K, nature, lifestyle, business, animals, zoom background, vertical, backgrounds</a:t>
-            </a:r>
-            <a:endParaRPr lang="en-US" altLang="zh-CN"/>
-          </a:p>
-          <a:p>
-            <a:pPr lvl="1"/>
-            <a:r>
-              <a:rPr lang="en-US" altLang="zh-CN"/>
-              <a:t>Music</a:t>
-            </a:r>
-            <a:endParaRPr lang="en-US" altLang="zh-CN"/>
-          </a:p>
-          <a:p>
-            <a:pPr lvl="2"/>
-            <a:r>
-              <a:rPr lang="en-US" altLang="zh-CN" sz="1800"/>
-              <a:t>ambient, cinematic, corporate, drum &amp; base, experimental, funk, hip-hop, jazz</a:t>
-            </a:r>
-            <a:endParaRPr lang="en-US" altLang="zh-CN"/>
-          </a:p>
-          <a:p>
-            <a:pPr lvl="1"/>
-            <a:r>
-              <a:rPr lang="en-US" altLang="zh-CN"/>
-              <a:t>Audio effects</a:t>
-            </a:r>
-            <a:endParaRPr lang="en-US" altLang="zh-CN"/>
-          </a:p>
-          <a:p>
-            <a:pPr lvl="2"/>
-            <a:r>
-              <a:rPr lang="en-US" altLang="zh-CN"/>
-              <a:t>animals, game, human, instrument, lifestyle, nature, tech, transition, warfare</a:t>
-            </a:r>
-            <a:endParaRPr lang="en-US" altLang="zh-CN"/>
-          </a:p>
-          <a:p>
-            <a:pPr lvl="1"/>
-            <a:r>
-              <a:rPr lang="en-US" altLang="zh-CN"/>
-              <a:t>Icon</a:t>
-            </a:r>
-            <a:endParaRPr lang="en-US" altLang="zh-CN"/>
-          </a:p>
-          <a:p>
-            <a:pPr lvl="0"/>
-            <a:r>
-              <a:rPr lang="en-US" altLang="zh-CN"/>
-              <a:t>https://pixabay.com/zh/</a:t>
-            </a:r>
-            <a:endParaRPr lang="en-US" altLang="zh-CN"/>
-          </a:p>
-          <a:p>
-            <a:pPr lvl="1"/>
-            <a:r>
-              <a:rPr lang="en-US" altLang="zh-CN"/>
-              <a:t>photos</a:t>
-            </a:r>
-            <a:endParaRPr lang="en-US" altLang="zh-CN"/>
-          </a:p>
-          <a:p>
-            <a:pPr lvl="1"/>
-            <a:r>
-              <a:rPr lang="en-US" altLang="zh-CN"/>
-              <a:t>illustrations</a:t>
-            </a:r>
-            <a:endParaRPr lang="en-US" altLang="zh-CN"/>
-          </a:p>
-          <a:p>
-            <a:pPr lvl="1"/>
-            <a:r>
-              <a:rPr lang="en-US" altLang="zh-CN"/>
-              <a:t>vectors</a:t>
-            </a:r>
-            <a:endParaRPr lang="en-US" altLang="zh-CN"/>
-          </a:p>
-          <a:p>
-            <a:pPr lvl="1"/>
-            <a:r>
-              <a:rPr lang="en-US" altLang="zh-CN"/>
-              <a:t>videos</a:t>
-            </a:r>
-            <a:endParaRPr lang="en-US" altLang="zh-CN"/>
-          </a:p>
-          <a:p>
-            <a:pPr lvl="1"/>
-            <a:r>
-              <a:rPr lang="en-US" altLang="zh-CN"/>
-              <a:t>music</a:t>
-            </a:r>
-            <a:endParaRPr lang="en-US" altLang="zh-CN"/>
-          </a:p>
-          <a:p>
-            <a:pPr lvl="1"/>
-            <a:r>
-              <a:rPr lang="en-US" altLang="zh-CN"/>
-              <a:t>audio effects</a:t>
-            </a:r>
-            <a:endParaRPr lang="en-US" altLang="zh-CN"/>
-          </a:p>
-          <a:p>
-            <a:pPr lvl="1"/>
-            <a:r>
-              <a:rPr lang="en-US" altLang="zh-CN"/>
-              <a:t>gifs</a:t>
-            </a:r>
-            <a:endParaRPr lang="en-US" altLang="zh-CN"/>
+              <a:t>https://mirrors.huaweicloud.com/home</a:t>
+            </a:r>
+            <a:endParaRPr lang="zh-CN" altLang="en-US"/>
+          </a:p>
+          <a:p>
+            <a:endParaRPr lang="zh-CN" altLang="en-US"/>
           </a:p>
         </p:txBody>
       </p:sp>
@@ -4099,7 +3960,7 @@
           <a:p>
             <a:r>
               <a:rPr lang="en-US" altLang="zh-CN"/>
-              <a:t>Images</a:t>
+              <a:t>Mix</a:t>
             </a:r>
             <a:endParaRPr lang="en-US" altLang="zh-CN"/>
           </a:p>
@@ -4115,29 +3976,76 @@
             <p:ph idx="1"/>
           </p:nvPr>
         </p:nvSpPr>
-        <p:spPr/>
-        <p:txBody>
-          <a:bodyPr/>
-          <a:p>
+        <p:spPr>
+          <a:xfrm>
+            <a:off x="838200" y="1211580"/>
+            <a:ext cx="5467985" cy="5017770"/>
+          </a:xfrm>
+        </p:spPr>
+        <p:txBody>
+          <a:bodyPr>
+            <a:normAutofit fontScale="60000"/>
+          </a:bodyPr>
+          <a:p>
+            <a:r>
+              <a:rPr lang="zh-CN" altLang="en-US"/>
+              <a:t>https://mixkit.co/</a:t>
+            </a:r>
+            <a:endParaRPr lang="zh-CN" altLang="en-US"/>
+          </a:p>
+          <a:p>
+            <a:pPr lvl="1"/>
             <a:r>
               <a:rPr lang="en-US" altLang="zh-CN"/>
-              <a:t>General Images</a:t>
+              <a:t>Video templates</a:t>
             </a:r>
             <a:endParaRPr lang="en-US" altLang="zh-CN"/>
           </a:p>
           <a:p>
+            <a:pPr lvl="2"/>
+            <a:r>
+              <a:rPr lang="en-US" altLang="zh-CN" sz="1800"/>
+              <a:t>Premier Pro, After Effects, Final Cut Pro, DaVinci Resolve</a:t>
+            </a:r>
+            <a:endParaRPr lang="en-US" altLang="zh-CN" sz="1800"/>
+          </a:p>
+          <a:p>
             <a:pPr lvl="1"/>
             <a:r>
+              <a:rPr lang="en-US" altLang="zh-CN" sz="2000"/>
+              <a:t>Video</a:t>
+            </a:r>
+            <a:endParaRPr lang="en-US" altLang="zh-CN" sz="2000"/>
+          </a:p>
+          <a:p>
+            <a:pPr lvl="2"/>
+            <a:r>
+              <a:rPr lang="en-US" altLang="zh-CN" sz="1800"/>
+              <a:t>4K, nature, lifestyle, business, animals, zoom background, vertical, backgrounds</a:t>
+            </a:r>
+            <a:endParaRPr lang="en-US" altLang="zh-CN"/>
+          </a:p>
+          <a:p>
+            <a:pPr lvl="1"/>
+            <a:r>
               <a:rPr lang="en-US" altLang="zh-CN"/>
-              <a:t>pexels.com</a:t>
+              <a:t>Music</a:t>
             </a:r>
             <a:endParaRPr lang="en-US" altLang="zh-CN"/>
           </a:p>
           <a:p>
+            <a:pPr lvl="2"/>
+            <a:r>
+              <a:rPr lang="en-US" altLang="zh-CN" sz="1800"/>
+              <a:t>ambient, cinematic, corporate, drum &amp; base, experimental, funk, hip-hop, jazz</a:t>
+            </a:r>
+            <a:endParaRPr lang="en-US" altLang="zh-CN"/>
+          </a:p>
+          <a:p>
             <a:pPr lvl="1"/>
             <a:r>
               <a:rPr lang="en-US" altLang="zh-CN"/>
-              <a:t>unsplash.com</a:t>
+              <a:t>Audio effects</a:t>
             </a:r>
             <a:endParaRPr lang="en-US" altLang="zh-CN"/>
           </a:p>
@@ -4145,7 +4053,7 @@
             <a:pPr lvl="2"/>
             <a:r>
               <a:rPr lang="en-US" altLang="zh-CN"/>
-              <a:t>API</a:t>
+              <a:t>animals, game, human, instrument, lifestyle, nature, tech, transition, warfare</a:t>
             </a:r>
             <a:endParaRPr lang="en-US" altLang="zh-CN"/>
           </a:p>
@@ -4153,7 +4061,7 @@
             <a:pPr lvl="1"/>
             <a:r>
               <a:rPr lang="en-US" altLang="zh-CN"/>
-              <a:t>pixabay.com</a:t>
+              <a:t>Icon</a:t>
             </a:r>
             <a:endParaRPr lang="en-US" altLang="zh-CN"/>
           </a:p>
@@ -4161,7 +4069,7 @@
             <a:pPr lvl="0"/>
             <a:r>
               <a:rPr lang="en-US" altLang="zh-CN"/>
-              <a:t>Panorama</a:t>
+              <a:t>https://pixabay.com/zh/</a:t>
             </a:r>
             <a:endParaRPr lang="en-US" altLang="zh-CN"/>
           </a:p>
@@ -4169,7 +4077,55 @@
             <a:pPr lvl="1"/>
             <a:r>
               <a:rPr lang="en-US" altLang="zh-CN"/>
-              <a:t>https://polyhaven.com/zh/hdris</a:t>
+              <a:t>photos</a:t>
+            </a:r>
+            <a:endParaRPr lang="en-US" altLang="zh-CN"/>
+          </a:p>
+          <a:p>
+            <a:pPr lvl="1"/>
+            <a:r>
+              <a:rPr lang="en-US" altLang="zh-CN"/>
+              <a:t>illustrations</a:t>
+            </a:r>
+            <a:endParaRPr lang="en-US" altLang="zh-CN"/>
+          </a:p>
+          <a:p>
+            <a:pPr lvl="1"/>
+            <a:r>
+              <a:rPr lang="en-US" altLang="zh-CN"/>
+              <a:t>vectors</a:t>
+            </a:r>
+            <a:endParaRPr lang="en-US" altLang="zh-CN"/>
+          </a:p>
+          <a:p>
+            <a:pPr lvl="1"/>
+            <a:r>
+              <a:rPr lang="en-US" altLang="zh-CN"/>
+              <a:t>videos</a:t>
+            </a:r>
+            <a:endParaRPr lang="en-US" altLang="zh-CN"/>
+          </a:p>
+          <a:p>
+            <a:pPr lvl="1"/>
+            <a:r>
+              <a:rPr lang="en-US" altLang="zh-CN"/>
+              <a:t>music</a:t>
+            </a:r>
+            <a:endParaRPr lang="en-US" altLang="zh-CN"/>
+          </a:p>
+          <a:p>
+            <a:pPr lvl="1"/>
+            <a:r>
+              <a:rPr lang="en-US" altLang="zh-CN"/>
+              <a:t>audio effects</a:t>
+            </a:r>
+            <a:endParaRPr lang="en-US" altLang="zh-CN"/>
+          </a:p>
+          <a:p>
+            <a:pPr lvl="1"/>
+            <a:r>
+              <a:rPr lang="en-US" altLang="zh-CN"/>
+              <a:t>gifs</a:t>
             </a:r>
             <a:endParaRPr lang="en-US" altLang="zh-CN"/>
           </a:p>
@@ -4212,7 +4168,7 @@
           <a:p>
             <a:r>
               <a:rPr lang="en-US" altLang="zh-CN"/>
-              <a:t>Music</a:t>
+              <a:t>Images</a:t>
             </a:r>
             <a:endParaRPr lang="en-US" altLang="zh-CN"/>
           </a:p>
@@ -4233,16 +4189,16 @@
           <a:bodyPr/>
           <a:p>
             <a:r>
-              <a:rPr lang="zh-CN" altLang="en-US"/>
-              <a:t>https://musopen.org/</a:t>
-            </a:r>
-            <a:endParaRPr lang="zh-CN" altLang="en-US"/>
+              <a:rPr lang="en-US" altLang="zh-CN"/>
+              <a:t>General Images</a:t>
+            </a:r>
+            <a:endParaRPr lang="en-US" altLang="zh-CN"/>
           </a:p>
           <a:p>
             <a:pPr lvl="1"/>
             <a:r>
               <a:rPr lang="en-US" altLang="zh-CN"/>
-              <a:t>all royalty free</a:t>
+              <a:t>pexels.com</a:t>
             </a:r>
             <a:endParaRPr lang="en-US" altLang="zh-CN"/>
           </a:p>
@@ -4250,15 +4206,31 @@
             <a:pPr lvl="1"/>
             <a:r>
               <a:rPr lang="en-US" altLang="zh-CN"/>
-              <a:t>search by composer, instrument, period</a:t>
+              <a:t>unsplash.com</a:t>
             </a:r>
             <a:endParaRPr lang="en-US" altLang="zh-CN"/>
           </a:p>
           <a:p>
+            <a:pPr lvl="2"/>
+            <a:r>
+              <a:rPr lang="en-US" altLang="zh-CN"/>
+              <a:t>API</a:t>
+            </a:r>
+            <a:endParaRPr lang="en-US" altLang="zh-CN"/>
+          </a:p>
+          <a:p>
+            <a:pPr lvl="1"/>
+            <a:r>
+              <a:rPr lang="en-US" altLang="zh-CN"/>
+              <a:t>pixabay.com</a:t>
+            </a:r>
+            <a:endParaRPr lang="en-US" altLang="zh-CN"/>
+          </a:p>
+          <a:p>
             <a:pPr lvl="0"/>
             <a:r>
               <a:rPr lang="en-US" altLang="zh-CN"/>
-              <a:t>https://freesfx.co.uk/</a:t>
+              <a:t>Panorama</a:t>
             </a:r>
             <a:endParaRPr lang="en-US" altLang="zh-CN"/>
           </a:p>
@@ -4266,15 +4238,7 @@
             <a:pPr lvl="1"/>
             <a:r>
               <a:rPr lang="en-US" altLang="zh-CN"/>
-              <a:t>Slow to download</a:t>
-            </a:r>
-            <a:endParaRPr lang="en-US" altLang="zh-CN"/>
-          </a:p>
-          <a:p>
-            <a:pPr lvl="1"/>
-            <a:r>
-              <a:rPr lang="en-US" altLang="zh-CN"/>
-              <a:t>sound effects, music</a:t>
+              <a:t>https://polyhaven.com/zh/hdris</a:t>
             </a:r>
             <a:endParaRPr lang="en-US" altLang="zh-CN"/>
           </a:p>
@@ -4292,6 +4256,111 @@
 </file>
 
 <file path=ppt/slides/slide6.xml><?xml version="1.0" encoding="utf-8"?>
+<p:sld xmlns:a="http://schemas.openxmlformats.org/drawingml/2006/main" xmlns:r="http://schemas.openxmlformats.org/officeDocument/2006/relationships" xmlns:p="http://schemas.openxmlformats.org/presentationml/2006/main">
+  <p:cSld>
+    <p:spTree>
+      <p:nvGrpSpPr>
+        <p:cNvPr id="1" name=""/>
+        <p:cNvGrpSpPr/>
+        <p:nvPr/>
+      </p:nvGrpSpPr>
+      <p:grpSpPr/>
+      <p:sp>
+        <p:nvSpPr>
+          <p:cNvPr id="2" name="标题 1"/>
+          <p:cNvSpPr>
+            <a:spLocks noGrp="1"/>
+          </p:cNvSpPr>
+          <p:nvPr>
+            <p:ph type="title"/>
+          </p:nvPr>
+        </p:nvSpPr>
+        <p:spPr/>
+        <p:txBody>
+          <a:bodyPr/>
+          <a:p>
+            <a:r>
+              <a:rPr lang="en-US" altLang="zh-CN"/>
+              <a:t>Music</a:t>
+            </a:r>
+            <a:endParaRPr lang="en-US" altLang="zh-CN"/>
+          </a:p>
+        </p:txBody>
+      </p:sp>
+      <p:sp>
+        <p:nvSpPr>
+          <p:cNvPr id="3" name="内容占位符 2"/>
+          <p:cNvSpPr>
+            <a:spLocks noGrp="1"/>
+          </p:cNvSpPr>
+          <p:nvPr>
+            <p:ph idx="1"/>
+          </p:nvPr>
+        </p:nvSpPr>
+        <p:spPr/>
+        <p:txBody>
+          <a:bodyPr/>
+          <a:p>
+            <a:r>
+              <a:rPr lang="zh-CN" altLang="en-US"/>
+              <a:t>https://musopen.org/</a:t>
+            </a:r>
+            <a:endParaRPr lang="zh-CN" altLang="en-US"/>
+          </a:p>
+          <a:p>
+            <a:pPr lvl="1"/>
+            <a:r>
+              <a:rPr lang="en-US" altLang="zh-CN"/>
+              <a:t>all royalty free</a:t>
+            </a:r>
+            <a:endParaRPr lang="en-US" altLang="zh-CN"/>
+          </a:p>
+          <a:p>
+            <a:pPr lvl="1"/>
+            <a:r>
+              <a:rPr lang="en-US" altLang="zh-CN"/>
+              <a:t>search by composer, instrument, period</a:t>
+            </a:r>
+            <a:endParaRPr lang="en-US" altLang="zh-CN"/>
+          </a:p>
+          <a:p>
+            <a:pPr lvl="0"/>
+            <a:r>
+              <a:rPr lang="en-US" altLang="zh-CN"/>
+              <a:t>https://freesfx.co.uk/</a:t>
+            </a:r>
+            <a:endParaRPr lang="en-US" altLang="zh-CN"/>
+          </a:p>
+          <a:p>
+            <a:pPr lvl="1"/>
+            <a:r>
+              <a:rPr lang="en-US" altLang="zh-CN"/>
+              <a:t>Slow to download</a:t>
+            </a:r>
+            <a:endParaRPr lang="en-US" altLang="zh-CN"/>
+          </a:p>
+          <a:p>
+            <a:pPr lvl="1"/>
+            <a:r>
+              <a:rPr lang="en-US" altLang="zh-CN"/>
+              <a:t>sound effects, music</a:t>
+            </a:r>
+            <a:endParaRPr lang="en-US" altLang="zh-CN"/>
+          </a:p>
+        </p:txBody>
+      </p:sp>
+    </p:spTree>
+    <p:custDataLst>
+      <p:tags r:id="rId1"/>
+    </p:custDataLst>
+  </p:cSld>
+  <p:clrMapOvr>
+    <a:masterClrMapping/>
+  </p:clrMapOvr>
+</p:sld>
+</file>
+
+<file path=ppt/slides/slide7.xml><?xml version="1.0" encoding="utf-8"?>
 <p:sld xmlns:a="http://schemas.openxmlformats.org/drawingml/2006/main" xmlns:r="http://schemas.openxmlformats.org/officeDocument/2006/relationships" xmlns:p="http://schemas.openxmlformats.org/presentationml/2006/main">
   <p:cSld>
     <p:spTree>
@@ -4710,7 +4779,7 @@
 </p:sld>
 </file>
 
-<file path=ppt/slides/slide7.xml><?xml version="1.0" encoding="utf-8"?>
+<file path=ppt/slides/slide8.xml><?xml version="1.0" encoding="utf-8"?>
 <p:sld xmlns:a="http://schemas.openxmlformats.org/drawingml/2006/main" xmlns:r="http://schemas.openxmlformats.org/officeDocument/2006/relationships" xmlns:p="http://schemas.openxmlformats.org/presentationml/2006/main">
   <p:cSld>
     <p:spTree>
@@ -4842,7 +4911,7 @@
 </p:sld>
 </file>
 
-<file path=ppt/slides/slide8.xml><?xml version="1.0" encoding="utf-8"?>
+<file path=ppt/slides/slide9.xml><?xml version="1.0" encoding="utf-8"?>
 <p:sld xmlns:a="http://schemas.openxmlformats.org/drawingml/2006/main" xmlns:r="http://schemas.openxmlformats.org/officeDocument/2006/relationships" xmlns:p="http://schemas.openxmlformats.org/presentationml/2006/main">
   <p:cSld>
     <p:spTree>
@@ -5180,15 +5249,15 @@
 
 <file path=ppt/tags/tag12.xml><?xml version="1.0" encoding="utf-8"?>
 <p:tagLst xmlns:p="http://schemas.openxmlformats.org/presentationml/2006/main">
-  <p:tag name="KSO_WM_BEAUTIFY_FLAG" val=""/>
+  <p:tag name="KSO_WM_BEAUTIFY_FLAG" val="#wm#"/>
+  <p:tag name="KSO_WM_TEMPLATE_CATEGORY" val="custom"/>
+  <p:tag name="KSO_WM_TEMPLATE_INDEX" val="160402"/>
 </p:tagLst>
 </file>
 
 <file path=ppt/tags/tag13.xml><?xml version="1.0" encoding="utf-8"?>
 <p:tagLst xmlns:p="http://schemas.openxmlformats.org/presentationml/2006/main">
-  <p:tag name="KSO_WM_BEAUTIFY_FLAG" val="#wm#"/>
-  <p:tag name="KSO_WM_TEMPLATE_CATEGORY" val="custom"/>
-  <p:tag name="KSO_WM_TEMPLATE_INDEX" val="160402"/>
+  <p:tag name="KSO_WM_BEAUTIFY_FLAG" val=""/>
 </p:tagLst>
 </file>
 
@@ -5201,6 +5270,14 @@
 </file>
 
 <file path=ppt/tags/tag15.xml><?xml version="1.0" encoding="utf-8"?>
+<p:tagLst xmlns:p="http://schemas.openxmlformats.org/presentationml/2006/main">
+  <p:tag name="KSO_WM_BEAUTIFY_FLAG" val="#wm#"/>
+  <p:tag name="KSO_WM_TEMPLATE_CATEGORY" val="custom"/>
+  <p:tag name="KSO_WM_TEMPLATE_INDEX" val="160402"/>
+</p:tagLst>
+</file>
+
+<file path=ppt/tags/tag16.xml><?xml version="1.0" encoding="utf-8"?>
 <p:tagLst xmlns:p="http://schemas.openxmlformats.org/presentationml/2006/main">
   <p:tag name="COMMONDATA" val="eyJoZGlkIjoiYjRhZjQ5NWVmZmQxNmM3NmNkNDYxNWRmNzNmMjA1ZDAifQ=="/>
   <p:tag name="KSO_WPP_MARK_KEY" val="86549eee-af69-4bb6-8267-8160481c168e"/>
